--- a/.lessons/11 ROUTES/5 Route methods/route methods.pptx
+++ b/.lessons/11 ROUTES/5 Route methods/route methods.pptx
@@ -6,12 +6,8 @@
   </p:sldMasterIdLst>
   <p:sldIdLst>
     <p:sldId id="323" r:id="rId2"/>
-    <p:sldId id="326" r:id="rId3"/>
-    <p:sldId id="327" r:id="rId4"/>
-    <p:sldId id="328" r:id="rId5"/>
-    <p:sldId id="329" r:id="rId6"/>
-    <p:sldId id="330" r:id="rId7"/>
-    <p:sldId id="331" r:id="rId8"/>
+    <p:sldId id="331" r:id="rId3"/>
+    <p:sldId id="332" r:id="rId4"/>
   </p:sldIdLst>
   <p:sldSz cx="12192000" cy="6858000"/>
   <p:notesSz cx="6858000" cy="9144000"/>
@@ -4332,7 +4328,7 @@
         <p:cNvPr id="1" name="">
           <a:extLst>
             <a:ext uri="{FF2B5EF4-FFF2-40B4-BE49-F238E27FC236}">
-              <a16:creationId xmlns:a16="http://schemas.microsoft.com/office/drawing/2014/main" id="{11F6F412-3E11-725A-EF10-206F6FF1E660}"/>
+              <a16:creationId xmlns:a16="http://schemas.microsoft.com/office/drawing/2014/main" id="{C2B282BC-A608-761B-7064-EEAA45AE7DFE}"/>
             </a:ext>
           </a:extLst>
         </p:cNvPr>
@@ -4352,7 +4348,7 @@
           <p:cNvPr id="3" name="TextBox 2">
             <a:extLst>
               <a:ext uri="{FF2B5EF4-FFF2-40B4-BE49-F238E27FC236}">
-                <a16:creationId xmlns:a16="http://schemas.microsoft.com/office/drawing/2014/main" id="{1DF2178F-8216-4055-7731-87D4ABE2E05E}"/>
+                <a16:creationId xmlns:a16="http://schemas.microsoft.com/office/drawing/2014/main" id="{DB5FCC6A-481E-8542-23D3-31CDD5341F80}"/>
               </a:ext>
             </a:extLst>
           </p:cNvPr>
@@ -4411,7 +4407,7 @@
     </p:spTree>
     <p:extLst>
       <p:ext uri="{BB962C8B-B14F-4D97-AF65-F5344CB8AC3E}">
-        <p14:creationId xmlns:p14="http://schemas.microsoft.com/office/powerpoint/2010/main" val="329429264"/>
+        <p14:creationId xmlns:p14="http://schemas.microsoft.com/office/powerpoint/2010/main" val="855995307"/>
       </p:ext>
     </p:extLst>
   </p:cSld>
@@ -4429,7 +4425,7 @@
         <p:cNvPr id="1" name="">
           <a:extLst>
             <a:ext uri="{FF2B5EF4-FFF2-40B4-BE49-F238E27FC236}">
-              <a16:creationId xmlns:a16="http://schemas.microsoft.com/office/drawing/2014/main" id="{D0E974A7-00CF-0995-FFEB-7E8CC18CB32F}"/>
+              <a16:creationId xmlns:a16="http://schemas.microsoft.com/office/drawing/2014/main" id="{57D21584-0B5B-5912-9B6B-9CB26E925727}"/>
             </a:ext>
           </a:extLst>
         </p:cNvPr>
@@ -4449,7 +4445,7 @@
           <p:cNvPr id="3" name="TextBox 2">
             <a:extLst>
               <a:ext uri="{FF2B5EF4-FFF2-40B4-BE49-F238E27FC236}">
-                <a16:creationId xmlns:a16="http://schemas.microsoft.com/office/drawing/2014/main" id="{0D1E5667-E1F9-BDC8-6F7F-6D4CEF7B2D8F}"/>
+                <a16:creationId xmlns:a16="http://schemas.microsoft.com/office/drawing/2014/main" id="{E2B4EDEB-2815-5AA3-75D5-45E549A77465}"/>
               </a:ext>
             </a:extLst>
           </p:cNvPr>
@@ -4508,395 +4504,7 @@
     </p:spTree>
     <p:extLst>
       <p:ext uri="{BB962C8B-B14F-4D97-AF65-F5344CB8AC3E}">
-        <p14:creationId xmlns:p14="http://schemas.microsoft.com/office/powerpoint/2010/main" val="2997672087"/>
-      </p:ext>
-    </p:extLst>
-  </p:cSld>
-  <p:clrMapOvr>
-    <a:masterClrMapping/>
-  </p:clrMapOvr>
-</p:sld>
-</file>
-
-<file path=ppt/slides/slide4.xml><?xml version="1.0" encoding="utf-8"?>
-<p:sld xmlns:a="http://schemas.openxmlformats.org/drawingml/2006/main" xmlns:r="http://schemas.openxmlformats.org/officeDocument/2006/relationships" xmlns:p="http://schemas.openxmlformats.org/presentationml/2006/main">
-  <p:cSld>
-    <p:spTree>
-      <p:nvGrpSpPr>
-        <p:cNvPr id="1" name="">
-          <a:extLst>
-            <a:ext uri="{FF2B5EF4-FFF2-40B4-BE49-F238E27FC236}">
-              <a16:creationId xmlns:a16="http://schemas.microsoft.com/office/drawing/2014/main" id="{006B9974-2061-8CBD-BBC5-2A459B5CB563}"/>
-            </a:ext>
-          </a:extLst>
-        </p:cNvPr>
-        <p:cNvGrpSpPr/>
-        <p:nvPr/>
-      </p:nvGrpSpPr>
-      <p:grpSpPr>
-        <a:xfrm>
-          <a:off x="0" y="0"/>
-          <a:ext cx="0" cy="0"/>
-          <a:chOff x="0" y="0"/>
-          <a:chExt cx="0" cy="0"/>
-        </a:xfrm>
-      </p:grpSpPr>
-      <p:sp>
-        <p:nvSpPr>
-          <p:cNvPr id="3" name="TextBox 2">
-            <a:extLst>
-              <a:ext uri="{FF2B5EF4-FFF2-40B4-BE49-F238E27FC236}">
-                <a16:creationId xmlns:a16="http://schemas.microsoft.com/office/drawing/2014/main" id="{5575482B-12D8-DD93-E184-0110B0EA591F}"/>
-              </a:ext>
-            </a:extLst>
-          </p:cNvPr>
-          <p:cNvSpPr txBox="1"/>
-          <p:nvPr/>
-        </p:nvSpPr>
-        <p:spPr>
-          <a:xfrm>
-            <a:off x="217714" y="255046"/>
-            <a:ext cx="11756571" cy="655436"/>
-          </a:xfrm>
-          <a:prstGeom prst="rect">
-            <a:avLst/>
-          </a:prstGeom>
-          <a:noFill/>
-        </p:spPr>
-        <p:txBody>
-          <a:bodyPr wrap="square">
-            <a:spAutoFit/>
-          </a:bodyPr>
-          <a:lstStyle/>
-          <a:p>
-            <a:pPr>
-              <a:lnSpc>
-                <a:spcPct val="150000"/>
-              </a:lnSpc>
-              <a:buNone/>
-            </a:pPr>
-            <a:r>
-              <a:rPr kumimoji="0" lang="en-US" altLang="en-US" sz="1300" b="0" i="0" u="none" strike="noStrike" cap="none" normalizeH="0" baseline="0">
-                <a:ln>
-                  <a:noFill/>
-                </a:ln>
-                <a:solidFill>
-                  <a:schemeClr val="tx1"/>
-                </a:solidFill>
-                <a:effectLst/>
-                <a:latin typeface="Arial" panose="020B0604020202020204" pitchFamily="34" charset="0"/>
-              </a:rPr>
-              <a:t>.</a:t>
-            </a:r>
-          </a:p>
-          <a:p>
-            <a:pPr>
-              <a:lnSpc>
-                <a:spcPct val="150000"/>
-              </a:lnSpc>
-            </a:pPr>
-            <a:endParaRPr lang="en-US" sz="1300">
-              <a:latin typeface="Arial" panose="020B0604020202020204" pitchFamily="34" charset="0"/>
-              <a:cs typeface="Arial" panose="020B0604020202020204" pitchFamily="34" charset="0"/>
-            </a:endParaRPr>
-          </a:p>
-        </p:txBody>
-      </p:sp>
-    </p:spTree>
-    <p:extLst>
-      <p:ext uri="{BB962C8B-B14F-4D97-AF65-F5344CB8AC3E}">
-        <p14:creationId xmlns:p14="http://schemas.microsoft.com/office/powerpoint/2010/main" val="2170770610"/>
-      </p:ext>
-    </p:extLst>
-  </p:cSld>
-  <p:clrMapOvr>
-    <a:masterClrMapping/>
-  </p:clrMapOvr>
-</p:sld>
-</file>
-
-<file path=ppt/slides/slide5.xml><?xml version="1.0" encoding="utf-8"?>
-<p:sld xmlns:a="http://schemas.openxmlformats.org/drawingml/2006/main" xmlns:r="http://schemas.openxmlformats.org/officeDocument/2006/relationships" xmlns:p="http://schemas.openxmlformats.org/presentationml/2006/main">
-  <p:cSld>
-    <p:spTree>
-      <p:nvGrpSpPr>
-        <p:cNvPr id="1" name="">
-          <a:extLst>
-            <a:ext uri="{FF2B5EF4-FFF2-40B4-BE49-F238E27FC236}">
-              <a16:creationId xmlns:a16="http://schemas.microsoft.com/office/drawing/2014/main" id="{2AD697F6-7235-84E7-E057-57F219314A5A}"/>
-            </a:ext>
-          </a:extLst>
-        </p:cNvPr>
-        <p:cNvGrpSpPr/>
-        <p:nvPr/>
-      </p:nvGrpSpPr>
-      <p:grpSpPr>
-        <a:xfrm>
-          <a:off x="0" y="0"/>
-          <a:ext cx="0" cy="0"/>
-          <a:chOff x="0" y="0"/>
-          <a:chExt cx="0" cy="0"/>
-        </a:xfrm>
-      </p:grpSpPr>
-      <p:sp>
-        <p:nvSpPr>
-          <p:cNvPr id="3" name="TextBox 2">
-            <a:extLst>
-              <a:ext uri="{FF2B5EF4-FFF2-40B4-BE49-F238E27FC236}">
-                <a16:creationId xmlns:a16="http://schemas.microsoft.com/office/drawing/2014/main" id="{C3A30915-A994-9C7B-A17E-627C9CE9EB7A}"/>
-              </a:ext>
-            </a:extLst>
-          </p:cNvPr>
-          <p:cNvSpPr txBox="1"/>
-          <p:nvPr/>
-        </p:nvSpPr>
-        <p:spPr>
-          <a:xfrm>
-            <a:off x="217714" y="255046"/>
-            <a:ext cx="11756571" cy="655436"/>
-          </a:xfrm>
-          <a:prstGeom prst="rect">
-            <a:avLst/>
-          </a:prstGeom>
-          <a:noFill/>
-        </p:spPr>
-        <p:txBody>
-          <a:bodyPr wrap="square">
-            <a:spAutoFit/>
-          </a:bodyPr>
-          <a:lstStyle/>
-          <a:p>
-            <a:pPr>
-              <a:lnSpc>
-                <a:spcPct val="150000"/>
-              </a:lnSpc>
-              <a:buNone/>
-            </a:pPr>
-            <a:r>
-              <a:rPr kumimoji="0" lang="en-US" altLang="en-US" sz="1300" b="0" i="0" u="none" strike="noStrike" cap="none" normalizeH="0" baseline="0">
-                <a:ln>
-                  <a:noFill/>
-                </a:ln>
-                <a:solidFill>
-                  <a:schemeClr val="tx1"/>
-                </a:solidFill>
-                <a:effectLst/>
-                <a:latin typeface="Arial" panose="020B0604020202020204" pitchFamily="34" charset="0"/>
-              </a:rPr>
-              <a:t>.</a:t>
-            </a:r>
-          </a:p>
-          <a:p>
-            <a:pPr>
-              <a:lnSpc>
-                <a:spcPct val="150000"/>
-              </a:lnSpc>
-            </a:pPr>
-            <a:endParaRPr lang="en-US" sz="1300">
-              <a:latin typeface="Arial" panose="020B0604020202020204" pitchFamily="34" charset="0"/>
-              <a:cs typeface="Arial" panose="020B0604020202020204" pitchFamily="34" charset="0"/>
-            </a:endParaRPr>
-          </a:p>
-        </p:txBody>
-      </p:sp>
-    </p:spTree>
-    <p:extLst>
-      <p:ext uri="{BB962C8B-B14F-4D97-AF65-F5344CB8AC3E}">
-        <p14:creationId xmlns:p14="http://schemas.microsoft.com/office/powerpoint/2010/main" val="3225353111"/>
-      </p:ext>
-    </p:extLst>
-  </p:cSld>
-  <p:clrMapOvr>
-    <a:masterClrMapping/>
-  </p:clrMapOvr>
-</p:sld>
-</file>
-
-<file path=ppt/slides/slide6.xml><?xml version="1.0" encoding="utf-8"?>
-<p:sld xmlns:a="http://schemas.openxmlformats.org/drawingml/2006/main" xmlns:r="http://schemas.openxmlformats.org/officeDocument/2006/relationships" xmlns:p="http://schemas.openxmlformats.org/presentationml/2006/main">
-  <p:cSld>
-    <p:spTree>
-      <p:nvGrpSpPr>
-        <p:cNvPr id="1" name="">
-          <a:extLst>
-            <a:ext uri="{FF2B5EF4-FFF2-40B4-BE49-F238E27FC236}">
-              <a16:creationId xmlns:a16="http://schemas.microsoft.com/office/drawing/2014/main" id="{6F81753B-2568-2C8A-BDA3-715ED6C3BD6E}"/>
-            </a:ext>
-          </a:extLst>
-        </p:cNvPr>
-        <p:cNvGrpSpPr/>
-        <p:nvPr/>
-      </p:nvGrpSpPr>
-      <p:grpSpPr>
-        <a:xfrm>
-          <a:off x="0" y="0"/>
-          <a:ext cx="0" cy="0"/>
-          <a:chOff x="0" y="0"/>
-          <a:chExt cx="0" cy="0"/>
-        </a:xfrm>
-      </p:grpSpPr>
-      <p:sp>
-        <p:nvSpPr>
-          <p:cNvPr id="3" name="TextBox 2">
-            <a:extLst>
-              <a:ext uri="{FF2B5EF4-FFF2-40B4-BE49-F238E27FC236}">
-                <a16:creationId xmlns:a16="http://schemas.microsoft.com/office/drawing/2014/main" id="{0AFE41B1-A776-E5D0-8C3B-8A30429D355B}"/>
-              </a:ext>
-            </a:extLst>
-          </p:cNvPr>
-          <p:cNvSpPr txBox="1"/>
-          <p:nvPr/>
-        </p:nvSpPr>
-        <p:spPr>
-          <a:xfrm>
-            <a:off x="217714" y="255046"/>
-            <a:ext cx="11756571" cy="655436"/>
-          </a:xfrm>
-          <a:prstGeom prst="rect">
-            <a:avLst/>
-          </a:prstGeom>
-          <a:noFill/>
-        </p:spPr>
-        <p:txBody>
-          <a:bodyPr wrap="square">
-            <a:spAutoFit/>
-          </a:bodyPr>
-          <a:lstStyle/>
-          <a:p>
-            <a:pPr>
-              <a:lnSpc>
-                <a:spcPct val="150000"/>
-              </a:lnSpc>
-              <a:buNone/>
-            </a:pPr>
-            <a:r>
-              <a:rPr kumimoji="0" lang="en-US" altLang="en-US" sz="1300" b="0" i="0" u="none" strike="noStrike" cap="none" normalizeH="0" baseline="0">
-                <a:ln>
-                  <a:noFill/>
-                </a:ln>
-                <a:solidFill>
-                  <a:schemeClr val="tx1"/>
-                </a:solidFill>
-                <a:effectLst/>
-                <a:latin typeface="Arial" panose="020B0604020202020204" pitchFamily="34" charset="0"/>
-              </a:rPr>
-              <a:t>.</a:t>
-            </a:r>
-          </a:p>
-          <a:p>
-            <a:pPr>
-              <a:lnSpc>
-                <a:spcPct val="150000"/>
-              </a:lnSpc>
-            </a:pPr>
-            <a:endParaRPr lang="en-US" sz="1300">
-              <a:latin typeface="Arial" panose="020B0604020202020204" pitchFamily="34" charset="0"/>
-              <a:cs typeface="Arial" panose="020B0604020202020204" pitchFamily="34" charset="0"/>
-            </a:endParaRPr>
-          </a:p>
-        </p:txBody>
-      </p:sp>
-    </p:spTree>
-    <p:extLst>
-      <p:ext uri="{BB962C8B-B14F-4D97-AF65-F5344CB8AC3E}">
-        <p14:creationId xmlns:p14="http://schemas.microsoft.com/office/powerpoint/2010/main" val="1874431247"/>
-      </p:ext>
-    </p:extLst>
-  </p:cSld>
-  <p:clrMapOvr>
-    <a:masterClrMapping/>
-  </p:clrMapOvr>
-</p:sld>
-</file>
-
-<file path=ppt/slides/slide7.xml><?xml version="1.0" encoding="utf-8"?>
-<p:sld xmlns:a="http://schemas.openxmlformats.org/drawingml/2006/main" xmlns:r="http://schemas.openxmlformats.org/officeDocument/2006/relationships" xmlns:p="http://schemas.openxmlformats.org/presentationml/2006/main">
-  <p:cSld>
-    <p:spTree>
-      <p:nvGrpSpPr>
-        <p:cNvPr id="1" name="">
-          <a:extLst>
-            <a:ext uri="{FF2B5EF4-FFF2-40B4-BE49-F238E27FC236}">
-              <a16:creationId xmlns:a16="http://schemas.microsoft.com/office/drawing/2014/main" id="{C2B282BC-A608-761B-7064-EEAA45AE7DFE}"/>
-            </a:ext>
-          </a:extLst>
-        </p:cNvPr>
-        <p:cNvGrpSpPr/>
-        <p:nvPr/>
-      </p:nvGrpSpPr>
-      <p:grpSpPr>
-        <a:xfrm>
-          <a:off x="0" y="0"/>
-          <a:ext cx="0" cy="0"/>
-          <a:chOff x="0" y="0"/>
-          <a:chExt cx="0" cy="0"/>
-        </a:xfrm>
-      </p:grpSpPr>
-      <p:sp>
-        <p:nvSpPr>
-          <p:cNvPr id="3" name="TextBox 2">
-            <a:extLst>
-              <a:ext uri="{FF2B5EF4-FFF2-40B4-BE49-F238E27FC236}">
-                <a16:creationId xmlns:a16="http://schemas.microsoft.com/office/drawing/2014/main" id="{DB5FCC6A-481E-8542-23D3-31CDD5341F80}"/>
-              </a:ext>
-            </a:extLst>
-          </p:cNvPr>
-          <p:cNvSpPr txBox="1"/>
-          <p:nvPr/>
-        </p:nvSpPr>
-        <p:spPr>
-          <a:xfrm>
-            <a:off x="217714" y="255046"/>
-            <a:ext cx="11756571" cy="655436"/>
-          </a:xfrm>
-          <a:prstGeom prst="rect">
-            <a:avLst/>
-          </a:prstGeom>
-          <a:noFill/>
-        </p:spPr>
-        <p:txBody>
-          <a:bodyPr wrap="square">
-            <a:spAutoFit/>
-          </a:bodyPr>
-          <a:lstStyle/>
-          <a:p>
-            <a:pPr>
-              <a:lnSpc>
-                <a:spcPct val="150000"/>
-              </a:lnSpc>
-              <a:buNone/>
-            </a:pPr>
-            <a:r>
-              <a:rPr kumimoji="0" lang="en-US" altLang="en-US" sz="1300" b="0" i="0" u="none" strike="noStrike" cap="none" normalizeH="0" baseline="0">
-                <a:ln>
-                  <a:noFill/>
-                </a:ln>
-                <a:solidFill>
-                  <a:schemeClr val="tx1"/>
-                </a:solidFill>
-                <a:effectLst/>
-                <a:latin typeface="Arial" panose="020B0604020202020204" pitchFamily="34" charset="0"/>
-              </a:rPr>
-              <a:t>.</a:t>
-            </a:r>
-          </a:p>
-          <a:p>
-            <a:pPr>
-              <a:lnSpc>
-                <a:spcPct val="150000"/>
-              </a:lnSpc>
-            </a:pPr>
-            <a:endParaRPr lang="en-US" sz="1300">
-              <a:latin typeface="Arial" panose="020B0604020202020204" pitchFamily="34" charset="0"/>
-              <a:cs typeface="Arial" panose="020B0604020202020204" pitchFamily="34" charset="0"/>
-            </a:endParaRPr>
-          </a:p>
-        </p:txBody>
-      </p:sp>
-    </p:spTree>
-    <p:extLst>
-      <p:ext uri="{BB962C8B-B14F-4D97-AF65-F5344CB8AC3E}">
-        <p14:creationId xmlns:p14="http://schemas.microsoft.com/office/powerpoint/2010/main" val="855995307"/>
+        <p14:creationId xmlns:p14="http://schemas.microsoft.com/office/powerpoint/2010/main" val="61500587"/>
       </p:ext>
     </p:extLst>
   </p:cSld>
